--- a/1팀_공유모빌리티_설계_v1.0_20210713.pptx
+++ b/1팀_공유모빌리티_설계_v1.0_20210713.pptx
@@ -127,6 +127,18 @@
     </p:ext>
   </p:extLst>
 </p:presentation>
+</file>
+
+<file path=ppt/commentAuthors.xml><?xml version="1.0" encoding="utf-8"?>
+<p:cmAuthorLst xmlns:a="http://schemas.openxmlformats.org/drawingml/2006/main" xmlns:r="http://schemas.openxmlformats.org/officeDocument/2006/relationships" xmlns:p="http://schemas.openxmlformats.org/presentationml/2006/main">
+  <p:cmAuthor id="1" name="SJINLEE" initials="S" lastIdx="1" clrIdx="0">
+    <p:extLst>
+      <p:ext uri="{19B8F6BF-5375-455C-9EA6-DF929625EA0E}">
+        <p15:presenceInfo xmlns:p15="http://schemas.microsoft.com/office/powerpoint/2012/main" userId="SJINLEE" providerId="None"/>
+      </p:ext>
+    </p:extLst>
+  </p:cmAuthor>
+</p:cmAuthorLst>
 </file>
 
 <file path=ppt/slideLayouts/slideLayout1.xml><?xml version="1.0" encoding="utf-8"?>
@@ -14211,6 +14223,301 @@
       </p:grpSpPr>
       <p:grpSp>
         <p:nvGrpSpPr>
+          <p:cNvPr id="3" name="그룹 2">
+            <a:extLst>
+              <a:ext uri="{FF2B5EF4-FFF2-40B4-BE49-F238E27FC236}">
+                <a16:creationId xmlns:a16="http://schemas.microsoft.com/office/drawing/2014/main" id="{D844D46E-2847-46E4-94F0-A103B22CD865}"/>
+              </a:ext>
+            </a:extLst>
+          </p:cNvPr>
+          <p:cNvGrpSpPr/>
+          <p:nvPr/>
+        </p:nvGrpSpPr>
+        <p:grpSpPr>
+          <a:xfrm>
+            <a:off x="9782692" y="2529224"/>
+            <a:ext cx="1960702" cy="2401839"/>
+            <a:chOff x="9868052" y="2529224"/>
+            <a:chExt cx="1960702" cy="2401839"/>
+          </a:xfrm>
+        </p:grpSpPr>
+        <p:grpSp>
+          <p:nvGrpSpPr>
+            <p:cNvPr id="98" name="그룹 97">
+              <a:extLst>
+                <a:ext uri="{FF2B5EF4-FFF2-40B4-BE49-F238E27FC236}">
+                  <a16:creationId xmlns:a16="http://schemas.microsoft.com/office/drawing/2014/main" id="{18787121-AEB2-4130-957B-1AED136CDBD4}"/>
+                </a:ext>
+              </a:extLst>
+            </p:cNvPr>
+            <p:cNvGrpSpPr/>
+            <p:nvPr/>
+          </p:nvGrpSpPr>
+          <p:grpSpPr>
+            <a:xfrm>
+              <a:off x="9868052" y="2529224"/>
+              <a:ext cx="1960702" cy="1650927"/>
+              <a:chOff x="9868052" y="2529224"/>
+              <a:chExt cx="1960702" cy="1650927"/>
+            </a:xfrm>
+          </p:grpSpPr>
+          <p:sp>
+            <p:nvSpPr>
+              <p:cNvPr id="9" name="육각형[H] 8"/>
+              <p:cNvSpPr/>
+              <p:nvPr/>
+            </p:nvSpPr>
+            <p:spPr>
+              <a:xfrm>
+                <a:off x="9868052" y="2529224"/>
+                <a:ext cx="1960702" cy="1650927"/>
+              </a:xfrm>
+              <a:prstGeom prst="hexagon">
+                <a:avLst/>
+              </a:prstGeom>
+              <a:solidFill>
+                <a:schemeClr val="accent6"/>
+              </a:solidFill>
+            </p:spPr>
+            <p:style>
+              <a:lnRef idx="2">
+                <a:schemeClr val="accent1">
+                  <a:shade val="50000"/>
+                </a:schemeClr>
+              </a:lnRef>
+              <a:fillRef idx="1">
+                <a:schemeClr val="accent1"/>
+              </a:fillRef>
+              <a:effectRef idx="0">
+                <a:schemeClr val="accent1"/>
+              </a:effectRef>
+              <a:fontRef idx="minor">
+                <a:schemeClr val="lt1"/>
+              </a:fontRef>
+            </p:style>
+            <p:txBody>
+              <a:bodyPr rtlCol="0" anchor="ctr"/>
+              <a:lstStyle/>
+              <a:p>
+                <a:pPr algn="ctr"/>
+                <a:r>
+                  <a:rPr kumimoji="1" lang="en-US" altLang="ko-KR" dirty="0"/>
+                  <a:t>customer</a:t>
+                </a:r>
+                <a:endParaRPr kumimoji="1" lang="ko-KR" altLang="en-US" dirty="0"/>
+              </a:p>
+            </p:txBody>
+          </p:sp>
+          <p:sp>
+            <p:nvSpPr>
+              <p:cNvPr id="13" name="육각형[H] 12"/>
+              <p:cNvSpPr/>
+              <p:nvPr/>
+            </p:nvSpPr>
+            <p:spPr>
+              <a:xfrm>
+                <a:off x="10299098" y="2865208"/>
+                <a:ext cx="1098610" cy="978958"/>
+              </a:xfrm>
+              <a:prstGeom prst="hexagon">
+                <a:avLst/>
+              </a:prstGeom>
+              <a:solidFill>
+                <a:srgbClr val="FFFF00"/>
+              </a:solidFill>
+            </p:spPr>
+            <p:style>
+              <a:lnRef idx="2">
+                <a:schemeClr val="accent1">
+                  <a:shade val="50000"/>
+                </a:schemeClr>
+              </a:lnRef>
+              <a:fillRef idx="1">
+                <a:schemeClr val="accent1"/>
+              </a:fillRef>
+              <a:effectRef idx="0">
+                <a:schemeClr val="accent1"/>
+              </a:effectRef>
+              <a:fontRef idx="minor">
+                <a:schemeClr val="lt1"/>
+              </a:fontRef>
+            </p:style>
+            <p:txBody>
+              <a:bodyPr lIns="0" tIns="72000" rIns="0" bIns="72000" rtlCol="0" anchor="ctr"/>
+              <a:lstStyle/>
+              <a:p>
+                <a:pPr algn="ctr"/>
+                <a:r>
+                  <a:rPr kumimoji="1" lang="en-US" altLang="ko-KR" sz="1200" dirty="0">
+                    <a:solidFill>
+                      <a:schemeClr val="tx1"/>
+                    </a:solidFill>
+                    <a:latin typeface="+mj-lt"/>
+                  </a:rPr>
+                  <a:t>Dashboard</a:t>
+                </a:r>
+              </a:p>
+            </p:txBody>
+          </p:sp>
+        </p:grpSp>
+        <p:sp>
+          <p:nvSpPr>
+            <p:cNvPr id="55" name="원통[C] 69">
+              <a:extLst>
+                <a:ext uri="{FF2B5EF4-FFF2-40B4-BE49-F238E27FC236}">
+                  <a16:creationId xmlns:a16="http://schemas.microsoft.com/office/drawing/2014/main" id="{884E8545-44C5-4FC0-BDF7-6884ACF16F8A}"/>
+                </a:ext>
+              </a:extLst>
+            </p:cNvPr>
+            <p:cNvSpPr/>
+            <p:nvPr/>
+          </p:nvSpPr>
+          <p:spPr>
+            <a:xfrm>
+              <a:off x="10363655" y="4481884"/>
+              <a:ext cx="996548" cy="449179"/>
+            </a:xfrm>
+            <a:prstGeom prst="can">
+              <a:avLst/>
+            </a:prstGeom>
+          </p:spPr>
+          <p:style>
+            <a:lnRef idx="2">
+              <a:schemeClr val="accent1">
+                <a:shade val="50000"/>
+              </a:schemeClr>
+            </a:lnRef>
+            <a:fillRef idx="1">
+              <a:schemeClr val="accent1"/>
+            </a:fillRef>
+            <a:effectRef idx="0">
+              <a:schemeClr val="accent1"/>
+            </a:effectRef>
+            <a:fontRef idx="minor">
+              <a:schemeClr val="lt1"/>
+            </a:fontRef>
+          </p:style>
+          <p:txBody>
+            <a:bodyPr rtlCol="0" anchor="ctr"/>
+            <a:lstStyle/>
+            <a:p>
+              <a:pPr algn="ctr"/>
+              <a:r>
+                <a:rPr kumimoji="1" lang="en-US" altLang="ko-KR" sz="1200" dirty="0">
+                  <a:latin typeface="+mj-lt"/>
+                </a:rPr>
+                <a:t>HSQLDB</a:t>
+              </a:r>
+              <a:endParaRPr kumimoji="1" lang="ko-KR" altLang="en-US" sz="1200" dirty="0">
+                <a:latin typeface="+mj-lt"/>
+              </a:endParaRPr>
+            </a:p>
+          </p:txBody>
+        </p:sp>
+        <p:sp>
+          <p:nvSpPr>
+            <p:cNvPr id="57" name="직사각형 56">
+              <a:extLst>
+                <a:ext uri="{FF2B5EF4-FFF2-40B4-BE49-F238E27FC236}">
+                  <a16:creationId xmlns:a16="http://schemas.microsoft.com/office/drawing/2014/main" id="{F3D8B05D-7D88-4C0E-B1C1-2D631204F358}"/>
+                </a:ext>
+              </a:extLst>
+            </p:cNvPr>
+            <p:cNvSpPr/>
+            <p:nvPr/>
+          </p:nvSpPr>
+          <p:spPr>
+            <a:xfrm>
+              <a:off x="10518810" y="4040177"/>
+              <a:ext cx="686239" cy="259312"/>
+            </a:xfrm>
+            <a:prstGeom prst="rect">
+              <a:avLst/>
+            </a:prstGeom>
+            <a:solidFill>
+              <a:schemeClr val="tx1"/>
+            </a:solidFill>
+          </p:spPr>
+          <p:style>
+            <a:lnRef idx="2">
+              <a:schemeClr val="accent1">
+                <a:shade val="50000"/>
+              </a:schemeClr>
+            </a:lnRef>
+            <a:fillRef idx="1">
+              <a:schemeClr val="accent1"/>
+            </a:fillRef>
+            <a:effectRef idx="0">
+              <a:schemeClr val="accent1"/>
+            </a:effectRef>
+            <a:fontRef idx="minor">
+              <a:schemeClr val="lt1"/>
+            </a:fontRef>
+          </p:style>
+          <p:txBody>
+            <a:bodyPr rtlCol="0" anchor="ctr"/>
+            <a:lstStyle/>
+            <a:p>
+              <a:pPr algn="ctr"/>
+              <a:r>
+                <a:rPr kumimoji="1" lang="en-US" altLang="ko-KR" sz="1000"/>
+                <a:t>JPA</a:t>
+              </a:r>
+              <a:endParaRPr kumimoji="1" lang="ko-KR" altLang="en-US" sz="1000" dirty="0"/>
+            </a:p>
+          </p:txBody>
+        </p:sp>
+        <p:cxnSp>
+          <p:nvCxnSpPr>
+            <p:cNvPr id="58" name="꺾인 연결선[E] 78">
+              <a:extLst>
+                <a:ext uri="{FF2B5EF4-FFF2-40B4-BE49-F238E27FC236}">
+                  <a16:creationId xmlns:a16="http://schemas.microsoft.com/office/drawing/2014/main" id="{017ED528-DB17-430C-AD1F-718C1802C791}"/>
+                </a:ext>
+              </a:extLst>
+            </p:cNvPr>
+            <p:cNvCxnSpPr>
+              <a:cxnSpLocks/>
+              <a:stCxn id="57" idx="2"/>
+              <a:endCxn id="55" idx="1"/>
+            </p:cNvCxnSpPr>
+            <p:nvPr/>
+          </p:nvCxnSpPr>
+          <p:spPr>
+            <a:xfrm rot="5400000">
+              <a:off x="10770733" y="4390686"/>
+              <a:ext cx="182395" cy="1"/>
+            </a:xfrm>
+            <a:prstGeom prst="bentConnector3">
+              <a:avLst>
+                <a:gd name="adj1" fmla="val 50000"/>
+              </a:avLst>
+            </a:prstGeom>
+            <a:ln w="28575">
+              <a:solidFill>
+                <a:schemeClr val="tx1"/>
+              </a:solidFill>
+              <a:tailEnd type="triangle"/>
+            </a:ln>
+          </p:spPr>
+          <p:style>
+            <a:lnRef idx="1">
+              <a:schemeClr val="accent1"/>
+            </a:lnRef>
+            <a:fillRef idx="0">
+              <a:schemeClr val="accent1"/>
+            </a:fillRef>
+            <a:effectRef idx="0">
+              <a:schemeClr val="accent1"/>
+            </a:effectRef>
+            <a:fontRef idx="minor">
+              <a:schemeClr val="tx1"/>
+            </a:fontRef>
+          </p:style>
+        </p:cxnSp>
+      </p:grpSp>
+      <p:grpSp>
+        <p:nvGrpSpPr>
           <p:cNvPr id="119" name="그룹 118">
             <a:extLst>
               <a:ext uri="{FF2B5EF4-FFF2-40B4-BE49-F238E27FC236}">
@@ -14223,7 +14530,7 @@
         </p:nvGrpSpPr>
         <p:grpSpPr>
           <a:xfrm>
-            <a:off x="7621687" y="4169833"/>
+            <a:off x="7536327" y="4169833"/>
             <a:ext cx="1962000" cy="2413630"/>
             <a:chOff x="7548591" y="4169833"/>
             <a:chExt cx="1962000" cy="2413630"/>
@@ -14348,7 +14655,7 @@
               <a:p>
                 <a:pPr algn="ctr"/>
                 <a:r>
-                  <a:rPr kumimoji="1" lang="en-US" altLang="ko-KR" sz="1400" dirty="0">
+                  <a:rPr kumimoji="1" lang="en-US" altLang="ko-KR" sz="1200" dirty="0">
                     <a:solidFill>
                       <a:schemeClr val="tx1"/>
                     </a:solidFill>
@@ -14356,7 +14663,7 @@
                   </a:rPr>
                   <a:t>Stock</a:t>
                 </a:r>
-                <a:endParaRPr kumimoji="1" lang="ko-KR" altLang="en-US" sz="1400" dirty="0">
+                <a:endParaRPr kumimoji="1" lang="ko-KR" altLang="en-US" sz="1200" dirty="0">
                   <a:solidFill>
                     <a:schemeClr val="tx1"/>
                   </a:solidFill>
@@ -14536,7 +14843,7 @@
         </p:nvGrpSpPr>
         <p:grpSpPr>
           <a:xfrm>
-            <a:off x="5375322" y="2529223"/>
+            <a:off x="5289962" y="2529223"/>
             <a:ext cx="1962000" cy="2401840"/>
             <a:chOff x="5332742" y="2510315"/>
             <a:chExt cx="1962000" cy="2401840"/>
@@ -14649,7 +14956,7 @@
               <a:p>
                 <a:pPr algn="ctr"/>
                 <a:r>
-                  <a:rPr kumimoji="1" lang="en-US" altLang="ko-KR" sz="1400" dirty="0">
+                  <a:rPr kumimoji="1" lang="en-US" altLang="ko-KR" sz="1200" dirty="0">
                     <a:solidFill>
                       <a:schemeClr val="tx1"/>
                     </a:solidFill>
@@ -14657,7 +14964,7 @@
                   </a:rPr>
                   <a:t>Rent</a:t>
                 </a:r>
-                <a:endParaRPr kumimoji="1" lang="ko-KR" altLang="en-US" sz="1400" dirty="0">
+                <a:endParaRPr kumimoji="1" lang="ko-KR" altLang="en-US" sz="1200" dirty="0">
                   <a:solidFill>
                     <a:schemeClr val="tx1"/>
                   </a:solidFill>
@@ -14819,7 +15126,7 @@
         </p:nvGrpSpPr>
         <p:grpSpPr>
           <a:xfrm>
-            <a:off x="815613" y="2529223"/>
+            <a:off x="730253" y="2529223"/>
             <a:ext cx="2087384" cy="2401840"/>
             <a:chOff x="815613" y="2529223"/>
             <a:chExt cx="2087384" cy="2401840"/>
@@ -14932,7 +15239,7 @@
               <a:p>
                 <a:pPr algn="ctr"/>
                 <a:r>
-                  <a:rPr kumimoji="1" lang="en-US" altLang="ko-KR" sz="1400" dirty="0">
+                  <a:rPr kumimoji="1" lang="en-US" altLang="ko-KR" sz="1200" dirty="0">
                     <a:solidFill>
                       <a:schemeClr val="tx1"/>
                     </a:solidFill>
@@ -14940,7 +15247,7 @@
                   </a:rPr>
                   <a:t>Order</a:t>
                 </a:r>
-                <a:endParaRPr kumimoji="1" lang="ko-KR" altLang="en-US" sz="1400" dirty="0">
+                <a:endParaRPr kumimoji="1" lang="ko-KR" altLang="en-US" sz="1200" dirty="0">
                   <a:solidFill>
                     <a:schemeClr val="tx1"/>
                   </a:solidFill>
@@ -15161,8 +15468,8 @@
         </p:nvSpPr>
         <p:spPr>
           <a:xfrm rot="5400000">
-            <a:off x="5918290" y="-3979145"/>
-            <a:ext cx="481263" cy="11339668"/>
+            <a:off x="5855368" y="-4096072"/>
+            <a:ext cx="481263" cy="11573525"/>
           </a:xfrm>
           <a:prstGeom prst="can">
             <a:avLst/>
@@ -15201,7 +15508,7 @@
         </p:nvSpPr>
         <p:spPr>
           <a:xfrm>
-            <a:off x="4392636" y="1488434"/>
+            <a:off x="4307276" y="1488434"/>
             <a:ext cx="3414567" cy="369332"/>
           </a:xfrm>
           <a:prstGeom prst="rect">
@@ -15253,7 +15560,7 @@
         </p:nvGrpSpPr>
         <p:grpSpPr>
           <a:xfrm>
-            <a:off x="3120733" y="4181624"/>
+            <a:off x="3035373" y="4181624"/>
             <a:ext cx="1962000" cy="1652400"/>
             <a:chOff x="3886924" y="2529224"/>
             <a:chExt cx="1962000" cy="1652400"/>
@@ -15346,7 +15653,7 @@
             <a:p>
               <a:pPr algn="ctr"/>
               <a:r>
-                <a:rPr kumimoji="1" lang="en-US" altLang="ko-KR" sz="1400" dirty="0">
+                <a:rPr kumimoji="1" lang="en-US" altLang="ko-KR" sz="1200" dirty="0">
                   <a:solidFill>
                     <a:schemeClr val="tx1"/>
                   </a:solidFill>
@@ -15354,7 +15661,7 @@
                 </a:rPr>
                 <a:t>Payment</a:t>
               </a:r>
-              <a:endParaRPr kumimoji="1" lang="ko-KR" altLang="en-US" sz="1400" dirty="0">
+              <a:endParaRPr kumimoji="1" lang="ko-KR" altLang="en-US" sz="1200" dirty="0">
                 <a:solidFill>
                   <a:schemeClr val="tx1"/>
                 </a:solidFill>
@@ -15372,7 +15679,7 @@
         </p:nvSpPr>
         <p:spPr>
           <a:xfrm>
-            <a:off x="2870724" y="4360316"/>
+            <a:off x="2785364" y="4360316"/>
             <a:ext cx="720000" cy="360000"/>
           </a:xfrm>
           <a:prstGeom prst="rect">
@@ -15420,7 +15727,7 @@
         </p:nvSpPr>
         <p:spPr>
           <a:xfrm>
-            <a:off x="4559737" y="4875974"/>
+            <a:off x="4474377" y="4875974"/>
             <a:ext cx="720000" cy="360000"/>
           </a:xfrm>
           <a:prstGeom prst="rect">
@@ -15477,7 +15784,7 @@
         </p:nvSpPr>
         <p:spPr>
           <a:xfrm>
-            <a:off x="394598" y="3124101"/>
+            <a:off x="309238" y="3124101"/>
             <a:ext cx="720000" cy="360000"/>
           </a:xfrm>
           <a:prstGeom prst="rect">
@@ -15537,7 +15844,7 @@
         </p:nvSpPr>
         <p:spPr>
           <a:xfrm>
-            <a:off x="531584" y="2624041"/>
+            <a:off x="446224" y="2624041"/>
             <a:ext cx="720000" cy="360000"/>
           </a:xfrm>
           <a:prstGeom prst="rect">
@@ -15600,7 +15907,7 @@
         </p:nvSpPr>
         <p:spPr>
           <a:xfrm>
-            <a:off x="2249723" y="3241044"/>
+            <a:off x="2164363" y="3241044"/>
             <a:ext cx="720000" cy="360000"/>
           </a:xfrm>
           <a:prstGeom prst="rect">
@@ -15669,7 +15976,7 @@
         </p:nvCxnSpPr>
         <p:spPr>
           <a:xfrm flipV="1">
-            <a:off x="2609723" y="1931320"/>
+            <a:off x="2524363" y="1931320"/>
             <a:ext cx="0" cy="1309724"/>
           </a:xfrm>
           <a:prstGeom prst="straightConnector1">
@@ -15709,7 +16016,7 @@
         </p:nvCxnSpPr>
         <p:spPr>
           <a:xfrm>
-            <a:off x="891584" y="1931320"/>
+            <a:off x="806224" y="1931320"/>
             <a:ext cx="0" cy="692721"/>
           </a:xfrm>
           <a:prstGeom prst="straightConnector1">
@@ -15738,125 +16045,6 @@
           </a:fontRef>
         </p:style>
       </p:cxnSp>
-      <p:grpSp>
-        <p:nvGrpSpPr>
-          <p:cNvPr id="98" name="그룹 97">
-            <a:extLst>
-              <a:ext uri="{FF2B5EF4-FFF2-40B4-BE49-F238E27FC236}">
-                <a16:creationId xmlns:a16="http://schemas.microsoft.com/office/drawing/2014/main" id="{18787121-AEB2-4130-957B-1AED136CDBD4}"/>
-              </a:ext>
-            </a:extLst>
-          </p:cNvPr>
-          <p:cNvGrpSpPr/>
-          <p:nvPr/>
-        </p:nvGrpSpPr>
-        <p:grpSpPr>
-          <a:xfrm>
-            <a:off x="9868052" y="2529224"/>
-            <a:ext cx="1960702" cy="1650927"/>
-            <a:chOff x="9868052" y="2529224"/>
-            <a:chExt cx="1960702" cy="1650927"/>
-          </a:xfrm>
-        </p:grpSpPr>
-        <p:sp>
-          <p:nvSpPr>
-            <p:cNvPr id="9" name="육각형[H] 8"/>
-            <p:cNvSpPr/>
-            <p:nvPr/>
-          </p:nvSpPr>
-          <p:spPr>
-            <a:xfrm>
-              <a:off x="9868052" y="2529224"/>
-              <a:ext cx="1960702" cy="1650927"/>
-            </a:xfrm>
-            <a:prstGeom prst="hexagon">
-              <a:avLst/>
-            </a:prstGeom>
-            <a:solidFill>
-              <a:schemeClr val="accent6"/>
-            </a:solidFill>
-          </p:spPr>
-          <p:style>
-            <a:lnRef idx="2">
-              <a:schemeClr val="accent1">
-                <a:shade val="50000"/>
-              </a:schemeClr>
-            </a:lnRef>
-            <a:fillRef idx="1">
-              <a:schemeClr val="accent1"/>
-            </a:fillRef>
-            <a:effectRef idx="0">
-              <a:schemeClr val="accent1"/>
-            </a:effectRef>
-            <a:fontRef idx="minor">
-              <a:schemeClr val="lt1"/>
-            </a:fontRef>
-          </p:style>
-          <p:txBody>
-            <a:bodyPr rtlCol="0" anchor="ctr"/>
-            <a:lstStyle/>
-            <a:p>
-              <a:pPr algn="ctr"/>
-              <a:r>
-                <a:rPr kumimoji="1" lang="en-US" altLang="ko-KR" dirty="0"/>
-                <a:t>customer</a:t>
-              </a:r>
-              <a:endParaRPr kumimoji="1" lang="ko-KR" altLang="en-US" dirty="0"/>
-            </a:p>
-          </p:txBody>
-        </p:sp>
-        <p:sp>
-          <p:nvSpPr>
-            <p:cNvPr id="13" name="육각형[H] 12"/>
-            <p:cNvSpPr/>
-            <p:nvPr/>
-          </p:nvSpPr>
-          <p:spPr>
-            <a:xfrm>
-              <a:off x="10299098" y="2865208"/>
-              <a:ext cx="1098610" cy="978958"/>
-            </a:xfrm>
-            <a:prstGeom prst="hexagon">
-              <a:avLst/>
-            </a:prstGeom>
-            <a:solidFill>
-              <a:srgbClr val="FFFF00"/>
-            </a:solidFill>
-          </p:spPr>
-          <p:style>
-            <a:lnRef idx="2">
-              <a:schemeClr val="accent1">
-                <a:shade val="50000"/>
-              </a:schemeClr>
-            </a:lnRef>
-            <a:fillRef idx="1">
-              <a:schemeClr val="accent1"/>
-            </a:fillRef>
-            <a:effectRef idx="0">
-              <a:schemeClr val="accent1"/>
-            </a:effectRef>
-            <a:fontRef idx="minor">
-              <a:schemeClr val="lt1"/>
-            </a:fontRef>
-          </p:style>
-          <p:txBody>
-            <a:bodyPr lIns="0" tIns="72000" rIns="0" bIns="72000" rtlCol="0" anchor="ctr"/>
-            <a:lstStyle/>
-            <a:p>
-              <a:pPr algn="ctr"/>
-              <a:r>
-                <a:rPr kumimoji="1" lang="en-US" altLang="ko-KR" sz="1400" dirty="0">
-                  <a:solidFill>
-                    <a:schemeClr val="tx1"/>
-                  </a:solidFill>
-                  <a:latin typeface="+mj-lt"/>
-                </a:rPr>
-                <a:t>Dashboard</a:t>
-              </a:r>
-            </a:p>
-          </p:txBody>
-        </p:sp>
-      </p:grpSp>
       <p:sp>
         <p:nvSpPr>
           <p:cNvPr id="40" name="직사각형 39"/>
@@ -15865,7 +16053,7 @@
         </p:nvSpPr>
         <p:spPr>
           <a:xfrm>
-            <a:off x="9631535" y="2942010"/>
+            <a:off x="9546175" y="2942010"/>
             <a:ext cx="720000" cy="360000"/>
           </a:xfrm>
           <a:prstGeom prst="rect">
@@ -15934,7 +16122,7 @@
         </p:nvSpPr>
         <p:spPr>
           <a:xfrm>
-            <a:off x="5153457" y="2704908"/>
+            <a:off x="5068097" y="2704908"/>
             <a:ext cx="720000" cy="360000"/>
           </a:xfrm>
           <a:prstGeom prst="rect">
@@ -15985,7 +16173,7 @@
         </p:nvSpPr>
         <p:spPr>
           <a:xfrm>
-            <a:off x="6776335" y="3061382"/>
+            <a:off x="6690975" y="3061382"/>
             <a:ext cx="720000" cy="360000"/>
           </a:xfrm>
           <a:prstGeom prst="rect">
@@ -16042,7 +16230,7 @@
         </p:nvSpPr>
         <p:spPr>
           <a:xfrm>
-            <a:off x="2182997" y="3753332"/>
+            <a:off x="2097637" y="3753332"/>
             <a:ext cx="720000" cy="360000"/>
           </a:xfrm>
           <a:prstGeom prst="rect">
@@ -16096,7 +16284,7 @@
         </p:nvCxnSpPr>
         <p:spPr>
           <a:xfrm flipV="1">
-            <a:off x="4919737" y="1931320"/>
+            <a:off x="4834377" y="1931320"/>
             <a:ext cx="0" cy="2944654"/>
           </a:xfrm>
           <a:prstGeom prst="straightConnector1">
@@ -16136,7 +16324,7 @@
         </p:nvCxnSpPr>
         <p:spPr>
           <a:xfrm>
-            <a:off x="5513457" y="1946153"/>
+            <a:off x="5428097" y="1946153"/>
             <a:ext cx="0" cy="758755"/>
           </a:xfrm>
           <a:prstGeom prst="straightConnector1">
@@ -16176,7 +16364,7 @@
         </p:nvCxnSpPr>
         <p:spPr>
           <a:xfrm>
-            <a:off x="9991535" y="1946153"/>
+            <a:off x="9906175" y="1946153"/>
             <a:ext cx="0" cy="995857"/>
           </a:xfrm>
           <a:prstGeom prst="straightConnector1">
@@ -16216,7 +16404,7 @@
         </p:nvCxnSpPr>
         <p:spPr>
           <a:xfrm flipV="1">
-            <a:off x="7136335" y="1931320"/>
+            <a:off x="7050975" y="1931320"/>
             <a:ext cx="0" cy="1130062"/>
           </a:xfrm>
           <a:prstGeom prst="straightConnector1">
@@ -16253,7 +16441,7 @@
         </p:nvSpPr>
         <p:spPr>
           <a:xfrm>
-            <a:off x="3603459" y="6134284"/>
+            <a:off x="3518099" y="6134284"/>
             <a:ext cx="996548" cy="449179"/>
           </a:xfrm>
           <a:prstGeom prst="can">
@@ -16301,7 +16489,7 @@
         </p:nvSpPr>
         <p:spPr>
           <a:xfrm>
-            <a:off x="3758614" y="5692577"/>
+            <a:off x="3673254" y="5692577"/>
             <a:ext cx="686239" cy="259312"/>
           </a:xfrm>
           <a:prstGeom prst="rect">
@@ -16352,7 +16540,7 @@
         </p:nvCxnSpPr>
         <p:spPr>
           <a:xfrm rot="5400000">
-            <a:off x="4010537" y="6043086"/>
+            <a:off x="3925177" y="6043086"/>
             <a:ext cx="182395" cy="1"/>
           </a:xfrm>
           <a:prstGeom prst="bentConnector3">
@@ -16396,7 +16584,7 @@
         </p:nvSpPr>
         <p:spPr>
           <a:xfrm>
-            <a:off x="7420843" y="4299489"/>
+            <a:off x="7335483" y="4299489"/>
             <a:ext cx="720000" cy="360000"/>
           </a:xfrm>
           <a:prstGeom prst="rect">
@@ -16456,7 +16644,7 @@
         </p:nvCxnSpPr>
         <p:spPr>
           <a:xfrm>
-            <a:off x="7780843" y="1946153"/>
+            <a:off x="7695483" y="1946153"/>
             <a:ext cx="0" cy="2353336"/>
           </a:xfrm>
           <a:prstGeom prst="straightConnector1">
@@ -16499,7 +16687,7 @@
         </p:nvSpPr>
         <p:spPr>
           <a:xfrm>
-            <a:off x="9042418" y="4720316"/>
+            <a:off x="8957058" y="4720316"/>
             <a:ext cx="720000" cy="360000"/>
           </a:xfrm>
           <a:prstGeom prst="rect">
@@ -16565,7 +16753,7 @@
         </p:nvCxnSpPr>
         <p:spPr>
           <a:xfrm flipV="1">
-            <a:off x="9402418" y="1946153"/>
+            <a:off x="9317058" y="1946153"/>
             <a:ext cx="0" cy="2774163"/>
           </a:xfrm>
           <a:prstGeom prst="straightConnector1">
